--- a/docs/notas_sistema.pptx
+++ b/docs/notas_sistema.pptx
@@ -11206,13 +11206,37 @@
                 <a:spcPts val="1200"/>
               </a:spcBef>
               <a:spcAft>
-                <a:spcPts val="1200"/>
+                <a:spcPts val="0"/>
               </a:spcAft>
               <a:buNone/>
             </a:pPr>
             <a:r>
               <a:rPr lang="es"/>
               <a:t>Medir el tiempo de espera del paciente (admisión-triage)-(triage-médico).</a:t>
+            </a:r>
+            <a:endParaRPr/>
+          </a:p>
+          <a:p>
+            <a:pPr indent="0" lvl="0" marL="0" rtl="0" algn="l">
+              <a:spcBef>
+                <a:spcPts val="1200"/>
+              </a:spcBef>
+              <a:spcAft>
+                <a:spcPts val="1200"/>
+              </a:spcAft>
+              <a:buNone/>
+            </a:pPr>
+            <a:r>
+              <a:rPr lang="es"/>
+              <a:t>acceso </a:t>
+            </a:r>
+            <a:r>
+              <a:rPr lang="es"/>
+              <a:t>sencillo</a:t>
+            </a:r>
+            <a:r>
+              <a:rPr lang="es"/>
+              <a:t> a los estudios complementarios</a:t>
             </a:r>
             <a:endParaRPr/>
           </a:p>
@@ -12482,7 +12506,7 @@
             <a:tbl>
               <a:tblPr>
                 <a:noFill/>
-                <a:tableStyleId>{436582CD-E3D9-4C42-BDF4-716A6577511D}</a:tableStyleId>
+                <a:tableStyleId>{62B679C0-068F-4651-A365-24A96D212BFD}</a:tableStyleId>
               </a:tblPr>
               <a:tblGrid>
                 <a:gridCol w="2243425"/>
